--- a/2D게임프로그래밍 3차 발표.pptx
+++ b/2D게임프로그래밍 3차 발표.pptx
@@ -5,12 +5,13 @@
     <p:sldMasterId id="2147483648" r:id="rId1"/>
   </p:sldMasterIdLst>
   <p:notesMasterIdLst>
-    <p:notesMasterId r:id="rId5"/>
+    <p:notesMasterId r:id="rId6"/>
   </p:notesMasterIdLst>
   <p:sldIdLst>
     <p:sldId id="264" r:id="rId2"/>
     <p:sldId id="310" r:id="rId3"/>
-    <p:sldId id="318" r:id="rId4"/>
+    <p:sldId id="319" r:id="rId4"/>
+    <p:sldId id="318" r:id="rId5"/>
   </p:sldIdLst>
   <p:sldSz cx="12192000" cy="6858000"/>
   <p:notesSz cx="6858000" cy="9144000"/>
@@ -10129,6 +10130,1311 @@
     </p:spTree>
     <p:extLst>
       <p:ext uri="{BB962C8B-B14F-4D97-AF65-F5344CB8AC3E}">
+        <p14:creationId xmlns:p14="http://schemas.microsoft.com/office/powerpoint/2010/main" val="551980132"/>
+      </p:ext>
+    </p:extLst>
+  </p:cSld>
+  <p:clrMapOvr>
+    <a:masterClrMapping/>
+  </p:clrMapOvr>
+</p:sld>
+</file>
+
+<file path=ppt/slides/slide4.xml><?xml version="1.0" encoding="utf-8"?>
+<p:sld xmlns:a="http://schemas.openxmlformats.org/drawingml/2006/main" xmlns:r="http://schemas.openxmlformats.org/officeDocument/2006/relationships" xmlns:p="http://schemas.openxmlformats.org/presentationml/2006/main">
+  <p:cSld>
+    <p:bg>
+      <p:bgPr>
+        <a:solidFill>
+          <a:schemeClr val="tx1">
+            <a:lumMod val="85000"/>
+            <a:lumOff val="15000"/>
+          </a:schemeClr>
+        </a:solidFill>
+        <a:effectLst/>
+      </p:bgPr>
+    </p:bg>
+    <p:spTree>
+      <p:nvGrpSpPr>
+        <p:cNvPr id="1" name=""/>
+        <p:cNvGrpSpPr/>
+        <p:nvPr/>
+      </p:nvGrpSpPr>
+      <p:grpSpPr>
+        <a:xfrm>
+          <a:off x="0" y="0"/>
+          <a:ext cx="0" cy="0"/>
+          <a:chOff x="0" y="0"/>
+          <a:chExt cx="0" cy="0"/>
+        </a:xfrm>
+      </p:grpSpPr>
+      <p:sp>
+        <p:nvSpPr>
+          <p:cNvPr id="22" name="직사각형 21">
+            <a:extLst>
+              <a:ext uri="{FF2B5EF4-FFF2-40B4-BE49-F238E27FC236}">
+                <a16:creationId xmlns:a16="http://schemas.microsoft.com/office/drawing/2014/main" id="{D745247E-EB55-FA43-A081-63E484EBDE2B}"/>
+              </a:ext>
+            </a:extLst>
+          </p:cNvPr>
+          <p:cNvSpPr/>
+          <p:nvPr/>
+        </p:nvSpPr>
+        <p:spPr>
+          <a:xfrm>
+            <a:off x="1021369" y="906202"/>
+            <a:ext cx="74946" cy="74946"/>
+          </a:xfrm>
+          <a:prstGeom prst="rect">
+            <a:avLst/>
+          </a:prstGeom>
+          <a:solidFill>
+            <a:srgbClr val="FFFF00">
+              <a:alpha val="80000"/>
+            </a:srgbClr>
+          </a:solidFill>
+          <a:ln>
+            <a:noFill/>
+          </a:ln>
+        </p:spPr>
+        <p:style>
+          <a:lnRef idx="2">
+            <a:schemeClr val="accent1">
+              <a:shade val="50000"/>
+            </a:schemeClr>
+          </a:lnRef>
+          <a:fillRef idx="1">
+            <a:schemeClr val="accent1"/>
+          </a:fillRef>
+          <a:effectRef idx="0">
+            <a:schemeClr val="accent1"/>
+          </a:effectRef>
+          <a:fontRef idx="minor">
+            <a:schemeClr val="lt1"/>
+          </a:fontRef>
+        </p:style>
+        <p:txBody>
+          <a:bodyPr rtlCol="0" anchor="ctr"/>
+          <a:lstStyle/>
+          <a:p>
+            <a:pPr algn="ctr"/>
+            <a:endParaRPr lang="ko-KR" altLang="en-US"/>
+          </a:p>
+        </p:txBody>
+      </p:sp>
+      <p:sp>
+        <p:nvSpPr>
+          <p:cNvPr id="23" name="직사각형 22">
+            <a:extLst>
+              <a:ext uri="{FF2B5EF4-FFF2-40B4-BE49-F238E27FC236}">
+                <a16:creationId xmlns:a16="http://schemas.microsoft.com/office/drawing/2014/main" id="{47F9CB07-568D-9C44-A3B2-8B7FD2A1934F}"/>
+              </a:ext>
+            </a:extLst>
+          </p:cNvPr>
+          <p:cNvSpPr/>
+          <p:nvPr/>
+        </p:nvSpPr>
+        <p:spPr>
+          <a:xfrm>
+            <a:off x="789666" y="1056444"/>
+            <a:ext cx="74946" cy="74946"/>
+          </a:xfrm>
+          <a:prstGeom prst="rect">
+            <a:avLst/>
+          </a:prstGeom>
+          <a:solidFill>
+            <a:schemeClr val="bg1">
+              <a:alpha val="50000"/>
+            </a:schemeClr>
+          </a:solidFill>
+          <a:ln>
+            <a:noFill/>
+          </a:ln>
+        </p:spPr>
+        <p:style>
+          <a:lnRef idx="2">
+            <a:schemeClr val="accent1">
+              <a:shade val="50000"/>
+            </a:schemeClr>
+          </a:lnRef>
+          <a:fillRef idx="1">
+            <a:schemeClr val="accent1"/>
+          </a:fillRef>
+          <a:effectRef idx="0">
+            <a:schemeClr val="accent1"/>
+          </a:effectRef>
+          <a:fontRef idx="minor">
+            <a:schemeClr val="lt1"/>
+          </a:fontRef>
+        </p:style>
+        <p:txBody>
+          <a:bodyPr rtlCol="0" anchor="ctr"/>
+          <a:lstStyle/>
+          <a:p>
+            <a:pPr algn="ctr"/>
+            <a:endParaRPr lang="ko-KR" altLang="en-US"/>
+          </a:p>
+        </p:txBody>
+      </p:sp>
+      <p:sp>
+        <p:nvSpPr>
+          <p:cNvPr id="24" name="직사각형 23">
+            <a:extLst>
+              <a:ext uri="{FF2B5EF4-FFF2-40B4-BE49-F238E27FC236}">
+                <a16:creationId xmlns:a16="http://schemas.microsoft.com/office/drawing/2014/main" id="{CBD1326B-44D5-C842-98D1-6F65AEFCB78E}"/>
+              </a:ext>
+            </a:extLst>
+          </p:cNvPr>
+          <p:cNvSpPr/>
+          <p:nvPr/>
+        </p:nvSpPr>
+        <p:spPr>
+          <a:xfrm>
+            <a:off x="11686406" y="1081893"/>
+            <a:ext cx="74946" cy="74946"/>
+          </a:xfrm>
+          <a:prstGeom prst="rect">
+            <a:avLst/>
+          </a:prstGeom>
+          <a:solidFill>
+            <a:schemeClr val="bg1"/>
+          </a:solidFill>
+          <a:ln>
+            <a:noFill/>
+          </a:ln>
+        </p:spPr>
+        <p:style>
+          <a:lnRef idx="2">
+            <a:schemeClr val="accent1">
+              <a:shade val="50000"/>
+            </a:schemeClr>
+          </a:lnRef>
+          <a:fillRef idx="1">
+            <a:schemeClr val="accent1"/>
+          </a:fillRef>
+          <a:effectRef idx="0">
+            <a:schemeClr val="accent1"/>
+          </a:effectRef>
+          <a:fontRef idx="minor">
+            <a:schemeClr val="lt1"/>
+          </a:fontRef>
+        </p:style>
+        <p:txBody>
+          <a:bodyPr rtlCol="0" anchor="ctr"/>
+          <a:lstStyle/>
+          <a:p>
+            <a:pPr algn="ctr"/>
+            <a:endParaRPr lang="ko-KR" altLang="en-US"/>
+          </a:p>
+        </p:txBody>
+      </p:sp>
+      <p:sp>
+        <p:nvSpPr>
+          <p:cNvPr id="25" name="직사각형 24">
+            <a:extLst>
+              <a:ext uri="{FF2B5EF4-FFF2-40B4-BE49-F238E27FC236}">
+                <a16:creationId xmlns:a16="http://schemas.microsoft.com/office/drawing/2014/main" id="{015570D3-A4FD-C34F-A555-83C2ED8AEDD9}"/>
+              </a:ext>
+            </a:extLst>
+          </p:cNvPr>
+          <p:cNvSpPr/>
+          <p:nvPr/>
+        </p:nvSpPr>
+        <p:spPr>
+          <a:xfrm>
+            <a:off x="10910648" y="1471995"/>
+            <a:ext cx="74946" cy="74946"/>
+          </a:xfrm>
+          <a:prstGeom prst="rect">
+            <a:avLst/>
+          </a:prstGeom>
+          <a:solidFill>
+            <a:schemeClr val="bg1">
+              <a:alpha val="50000"/>
+            </a:schemeClr>
+          </a:solidFill>
+          <a:ln>
+            <a:noFill/>
+          </a:ln>
+        </p:spPr>
+        <p:style>
+          <a:lnRef idx="2">
+            <a:schemeClr val="accent1">
+              <a:shade val="50000"/>
+            </a:schemeClr>
+          </a:lnRef>
+          <a:fillRef idx="1">
+            <a:schemeClr val="accent1"/>
+          </a:fillRef>
+          <a:effectRef idx="0">
+            <a:schemeClr val="accent1"/>
+          </a:effectRef>
+          <a:fontRef idx="minor">
+            <a:schemeClr val="lt1"/>
+          </a:fontRef>
+        </p:style>
+        <p:txBody>
+          <a:bodyPr rtlCol="0" anchor="ctr"/>
+          <a:lstStyle/>
+          <a:p>
+            <a:pPr algn="ctr"/>
+            <a:endParaRPr lang="ko-KR" altLang="en-US"/>
+          </a:p>
+        </p:txBody>
+      </p:sp>
+      <p:sp>
+        <p:nvSpPr>
+          <p:cNvPr id="26" name="직사각형 25">
+            <a:extLst>
+              <a:ext uri="{FF2B5EF4-FFF2-40B4-BE49-F238E27FC236}">
+                <a16:creationId xmlns:a16="http://schemas.microsoft.com/office/drawing/2014/main" id="{ECC490DF-C06D-EC43-A59F-50A051EDE2E3}"/>
+              </a:ext>
+            </a:extLst>
+          </p:cNvPr>
+          <p:cNvSpPr/>
+          <p:nvPr/>
+        </p:nvSpPr>
+        <p:spPr>
+          <a:xfrm>
+            <a:off x="11218921" y="1890250"/>
+            <a:ext cx="74946" cy="74946"/>
+          </a:xfrm>
+          <a:prstGeom prst="rect">
+            <a:avLst/>
+          </a:prstGeom>
+          <a:solidFill>
+            <a:srgbClr val="FFFF00">
+              <a:alpha val="80000"/>
+            </a:srgbClr>
+          </a:solidFill>
+          <a:ln>
+            <a:noFill/>
+          </a:ln>
+        </p:spPr>
+        <p:style>
+          <a:lnRef idx="2">
+            <a:schemeClr val="accent1">
+              <a:shade val="50000"/>
+            </a:schemeClr>
+          </a:lnRef>
+          <a:fillRef idx="1">
+            <a:schemeClr val="accent1"/>
+          </a:fillRef>
+          <a:effectRef idx="0">
+            <a:schemeClr val="accent1"/>
+          </a:effectRef>
+          <a:fontRef idx="minor">
+            <a:schemeClr val="lt1"/>
+          </a:fontRef>
+        </p:style>
+        <p:txBody>
+          <a:bodyPr rtlCol="0" anchor="ctr"/>
+          <a:lstStyle/>
+          <a:p>
+            <a:pPr algn="ctr"/>
+            <a:endParaRPr lang="ko-KR" altLang="en-US"/>
+          </a:p>
+        </p:txBody>
+      </p:sp>
+      <p:sp>
+        <p:nvSpPr>
+          <p:cNvPr id="27" name="직사각형 26">
+            <a:extLst>
+              <a:ext uri="{FF2B5EF4-FFF2-40B4-BE49-F238E27FC236}">
+                <a16:creationId xmlns:a16="http://schemas.microsoft.com/office/drawing/2014/main" id="{46EA83F4-38A5-F94B-8F1C-D18672B3FE45}"/>
+              </a:ext>
+            </a:extLst>
+          </p:cNvPr>
+          <p:cNvSpPr/>
+          <p:nvPr/>
+        </p:nvSpPr>
+        <p:spPr>
+          <a:xfrm>
+            <a:off x="780696" y="5421614"/>
+            <a:ext cx="74946" cy="74946"/>
+          </a:xfrm>
+          <a:prstGeom prst="rect">
+            <a:avLst/>
+          </a:prstGeom>
+          <a:solidFill>
+            <a:schemeClr val="bg1">
+              <a:alpha val="50000"/>
+            </a:schemeClr>
+          </a:solidFill>
+          <a:ln>
+            <a:noFill/>
+          </a:ln>
+        </p:spPr>
+        <p:style>
+          <a:lnRef idx="2">
+            <a:schemeClr val="accent1">
+              <a:shade val="50000"/>
+            </a:schemeClr>
+          </a:lnRef>
+          <a:fillRef idx="1">
+            <a:schemeClr val="accent1"/>
+          </a:fillRef>
+          <a:effectRef idx="0">
+            <a:schemeClr val="accent1"/>
+          </a:effectRef>
+          <a:fontRef idx="minor">
+            <a:schemeClr val="lt1"/>
+          </a:fontRef>
+        </p:style>
+        <p:txBody>
+          <a:bodyPr rtlCol="0" anchor="ctr"/>
+          <a:lstStyle/>
+          <a:p>
+            <a:pPr algn="ctr"/>
+            <a:endParaRPr lang="ko-KR" altLang="en-US"/>
+          </a:p>
+        </p:txBody>
+      </p:sp>
+      <p:sp>
+        <p:nvSpPr>
+          <p:cNvPr id="28" name="직사각형 27">
+            <a:extLst>
+              <a:ext uri="{FF2B5EF4-FFF2-40B4-BE49-F238E27FC236}">
+                <a16:creationId xmlns:a16="http://schemas.microsoft.com/office/drawing/2014/main" id="{2DEE2EE3-0D1D-8143-B316-57D301F5DAF1}"/>
+              </a:ext>
+            </a:extLst>
+          </p:cNvPr>
+          <p:cNvSpPr/>
+          <p:nvPr/>
+        </p:nvSpPr>
+        <p:spPr>
+          <a:xfrm>
+            <a:off x="983896" y="5807694"/>
+            <a:ext cx="74946" cy="74946"/>
+          </a:xfrm>
+          <a:prstGeom prst="rect">
+            <a:avLst/>
+          </a:prstGeom>
+          <a:solidFill>
+            <a:srgbClr val="FFFF00">
+              <a:alpha val="80000"/>
+            </a:srgbClr>
+          </a:solidFill>
+          <a:ln>
+            <a:noFill/>
+          </a:ln>
+        </p:spPr>
+        <p:style>
+          <a:lnRef idx="2">
+            <a:schemeClr val="accent1">
+              <a:shade val="50000"/>
+            </a:schemeClr>
+          </a:lnRef>
+          <a:fillRef idx="1">
+            <a:schemeClr val="accent1"/>
+          </a:fillRef>
+          <a:effectRef idx="0">
+            <a:schemeClr val="accent1"/>
+          </a:effectRef>
+          <a:fontRef idx="minor">
+            <a:schemeClr val="lt1"/>
+          </a:fontRef>
+        </p:style>
+        <p:txBody>
+          <a:bodyPr rtlCol="0" anchor="ctr"/>
+          <a:lstStyle/>
+          <a:p>
+            <a:pPr algn="ctr"/>
+            <a:endParaRPr lang="ko-KR" altLang="en-US"/>
+          </a:p>
+        </p:txBody>
+      </p:sp>
+      <p:sp>
+        <p:nvSpPr>
+          <p:cNvPr id="30" name="직사각형 29">
+            <a:extLst>
+              <a:ext uri="{FF2B5EF4-FFF2-40B4-BE49-F238E27FC236}">
+                <a16:creationId xmlns:a16="http://schemas.microsoft.com/office/drawing/2014/main" id="{EC907CE0-F2CC-6348-8545-2FCAA5BB6E93}"/>
+              </a:ext>
+            </a:extLst>
+          </p:cNvPr>
+          <p:cNvSpPr/>
+          <p:nvPr/>
+        </p:nvSpPr>
+        <p:spPr>
+          <a:xfrm>
+            <a:off x="2020216" y="6315694"/>
+            <a:ext cx="74946" cy="74946"/>
+          </a:xfrm>
+          <a:prstGeom prst="rect">
+            <a:avLst/>
+          </a:prstGeom>
+          <a:solidFill>
+            <a:schemeClr val="bg1"/>
+          </a:solidFill>
+          <a:ln>
+            <a:noFill/>
+          </a:ln>
+        </p:spPr>
+        <p:style>
+          <a:lnRef idx="2">
+            <a:schemeClr val="accent1">
+              <a:shade val="50000"/>
+            </a:schemeClr>
+          </a:lnRef>
+          <a:fillRef idx="1">
+            <a:schemeClr val="accent1"/>
+          </a:fillRef>
+          <a:effectRef idx="0">
+            <a:schemeClr val="accent1"/>
+          </a:effectRef>
+          <a:fontRef idx="minor">
+            <a:schemeClr val="lt1"/>
+          </a:fontRef>
+        </p:style>
+        <p:txBody>
+          <a:bodyPr rtlCol="0" anchor="ctr"/>
+          <a:lstStyle/>
+          <a:p>
+            <a:pPr algn="ctr"/>
+            <a:endParaRPr lang="ko-KR" altLang="en-US"/>
+          </a:p>
+        </p:txBody>
+      </p:sp>
+      <p:sp>
+        <p:nvSpPr>
+          <p:cNvPr id="31" name="직사각형 30">
+            <a:extLst>
+              <a:ext uri="{FF2B5EF4-FFF2-40B4-BE49-F238E27FC236}">
+                <a16:creationId xmlns:a16="http://schemas.microsoft.com/office/drawing/2014/main" id="{8081BE22-E044-0B4C-B499-7A12C401D795}"/>
+              </a:ext>
+            </a:extLst>
+          </p:cNvPr>
+          <p:cNvSpPr/>
+          <p:nvPr/>
+        </p:nvSpPr>
+        <p:spPr>
+          <a:xfrm>
+            <a:off x="11108418" y="5997742"/>
+            <a:ext cx="74946" cy="74946"/>
+          </a:xfrm>
+          <a:prstGeom prst="rect">
+            <a:avLst/>
+          </a:prstGeom>
+          <a:solidFill>
+            <a:schemeClr val="bg1"/>
+          </a:solidFill>
+          <a:ln>
+            <a:noFill/>
+          </a:ln>
+        </p:spPr>
+        <p:style>
+          <a:lnRef idx="2">
+            <a:schemeClr val="accent1">
+              <a:shade val="50000"/>
+            </a:schemeClr>
+          </a:lnRef>
+          <a:fillRef idx="1">
+            <a:schemeClr val="accent1"/>
+          </a:fillRef>
+          <a:effectRef idx="0">
+            <a:schemeClr val="accent1"/>
+          </a:effectRef>
+          <a:fontRef idx="minor">
+            <a:schemeClr val="lt1"/>
+          </a:fontRef>
+        </p:style>
+        <p:txBody>
+          <a:bodyPr rtlCol="0" anchor="ctr"/>
+          <a:lstStyle/>
+          <a:p>
+            <a:pPr algn="ctr"/>
+            <a:endParaRPr lang="ko-KR" altLang="en-US"/>
+          </a:p>
+        </p:txBody>
+      </p:sp>
+      <p:sp>
+        <p:nvSpPr>
+          <p:cNvPr id="32" name="직사각형 31">
+            <a:extLst>
+              <a:ext uri="{FF2B5EF4-FFF2-40B4-BE49-F238E27FC236}">
+                <a16:creationId xmlns:a16="http://schemas.microsoft.com/office/drawing/2014/main" id="{82437770-F5C4-144A-9C1D-16938A349DAA}"/>
+              </a:ext>
+            </a:extLst>
+          </p:cNvPr>
+          <p:cNvSpPr/>
+          <p:nvPr/>
+        </p:nvSpPr>
+        <p:spPr>
+          <a:xfrm>
+            <a:off x="11186119" y="5651215"/>
+            <a:ext cx="74946" cy="74946"/>
+          </a:xfrm>
+          <a:prstGeom prst="rect">
+            <a:avLst/>
+          </a:prstGeom>
+          <a:solidFill>
+            <a:srgbClr val="FFFF00">
+              <a:alpha val="50000"/>
+            </a:srgbClr>
+          </a:solidFill>
+          <a:ln>
+            <a:noFill/>
+          </a:ln>
+        </p:spPr>
+        <p:style>
+          <a:lnRef idx="2">
+            <a:schemeClr val="accent1">
+              <a:shade val="50000"/>
+            </a:schemeClr>
+          </a:lnRef>
+          <a:fillRef idx="1">
+            <a:schemeClr val="accent1"/>
+          </a:fillRef>
+          <a:effectRef idx="0">
+            <a:schemeClr val="accent1"/>
+          </a:effectRef>
+          <a:fontRef idx="minor">
+            <a:schemeClr val="lt1"/>
+          </a:fontRef>
+        </p:style>
+        <p:txBody>
+          <a:bodyPr rtlCol="0" anchor="ctr"/>
+          <a:lstStyle/>
+          <a:p>
+            <a:pPr algn="ctr"/>
+            <a:endParaRPr lang="ko-KR" altLang="en-US"/>
+          </a:p>
+        </p:txBody>
+      </p:sp>
+      <p:sp>
+        <p:nvSpPr>
+          <p:cNvPr id="36" name="직사각형 35">
+            <a:extLst>
+              <a:ext uri="{FF2B5EF4-FFF2-40B4-BE49-F238E27FC236}">
+                <a16:creationId xmlns:a16="http://schemas.microsoft.com/office/drawing/2014/main" id="{8D16534C-54B9-BB4D-9F20-2B37B8DD3EC7}"/>
+              </a:ext>
+            </a:extLst>
+          </p:cNvPr>
+          <p:cNvSpPr/>
+          <p:nvPr/>
+        </p:nvSpPr>
+        <p:spPr>
+          <a:xfrm>
+            <a:off x="2188579" y="1434522"/>
+            <a:ext cx="74946" cy="74946"/>
+          </a:xfrm>
+          <a:prstGeom prst="rect">
+            <a:avLst/>
+          </a:prstGeom>
+          <a:solidFill>
+            <a:schemeClr val="bg1"/>
+          </a:solidFill>
+          <a:ln>
+            <a:noFill/>
+          </a:ln>
+        </p:spPr>
+        <p:style>
+          <a:lnRef idx="2">
+            <a:schemeClr val="accent1">
+              <a:shade val="50000"/>
+            </a:schemeClr>
+          </a:lnRef>
+          <a:fillRef idx="1">
+            <a:schemeClr val="accent1"/>
+          </a:fillRef>
+          <a:effectRef idx="0">
+            <a:schemeClr val="accent1"/>
+          </a:effectRef>
+          <a:fontRef idx="minor">
+            <a:schemeClr val="lt1"/>
+          </a:fontRef>
+        </p:style>
+        <p:txBody>
+          <a:bodyPr rtlCol="0" anchor="ctr"/>
+          <a:lstStyle/>
+          <a:p>
+            <a:pPr algn="ctr"/>
+            <a:endParaRPr lang="ko-KR" altLang="en-US"/>
+          </a:p>
+        </p:txBody>
+      </p:sp>
+      <p:sp>
+        <p:nvSpPr>
+          <p:cNvPr id="37" name="직사각형 36">
+            <a:extLst>
+              <a:ext uri="{FF2B5EF4-FFF2-40B4-BE49-F238E27FC236}">
+                <a16:creationId xmlns:a16="http://schemas.microsoft.com/office/drawing/2014/main" id="{D7BB1599-0521-0849-B175-AEC01DE0ED4C}"/>
+              </a:ext>
+            </a:extLst>
+          </p:cNvPr>
+          <p:cNvSpPr/>
+          <p:nvPr/>
+        </p:nvSpPr>
+        <p:spPr>
+          <a:xfrm>
+            <a:off x="350425" y="3228180"/>
+            <a:ext cx="74946" cy="74946"/>
+          </a:xfrm>
+          <a:prstGeom prst="rect">
+            <a:avLst/>
+          </a:prstGeom>
+          <a:solidFill>
+            <a:schemeClr val="bg1">
+              <a:alpha val="40000"/>
+            </a:schemeClr>
+          </a:solidFill>
+          <a:ln>
+            <a:noFill/>
+          </a:ln>
+        </p:spPr>
+        <p:style>
+          <a:lnRef idx="2">
+            <a:schemeClr val="accent1">
+              <a:shade val="50000"/>
+            </a:schemeClr>
+          </a:lnRef>
+          <a:fillRef idx="1">
+            <a:schemeClr val="accent1"/>
+          </a:fillRef>
+          <a:effectRef idx="0">
+            <a:schemeClr val="accent1"/>
+          </a:effectRef>
+          <a:fontRef idx="minor">
+            <a:schemeClr val="lt1"/>
+          </a:fontRef>
+        </p:style>
+        <p:txBody>
+          <a:bodyPr rtlCol="0" anchor="ctr"/>
+          <a:lstStyle/>
+          <a:p>
+            <a:pPr algn="ctr"/>
+            <a:endParaRPr lang="ko-KR" altLang="en-US"/>
+          </a:p>
+        </p:txBody>
+      </p:sp>
+      <p:sp>
+        <p:nvSpPr>
+          <p:cNvPr id="38" name="직사각형 37">
+            <a:extLst>
+              <a:ext uri="{FF2B5EF4-FFF2-40B4-BE49-F238E27FC236}">
+                <a16:creationId xmlns:a16="http://schemas.microsoft.com/office/drawing/2014/main" id="{F3AF89E5-9708-A141-ABB6-B5CCE697796D}"/>
+              </a:ext>
+            </a:extLst>
+          </p:cNvPr>
+          <p:cNvSpPr/>
+          <p:nvPr/>
+        </p:nvSpPr>
+        <p:spPr>
+          <a:xfrm>
+            <a:off x="11761352" y="2821152"/>
+            <a:ext cx="74946" cy="74946"/>
+          </a:xfrm>
+          <a:prstGeom prst="rect">
+            <a:avLst/>
+          </a:prstGeom>
+          <a:solidFill>
+            <a:schemeClr val="bg1">
+              <a:alpha val="40000"/>
+            </a:schemeClr>
+          </a:solidFill>
+          <a:ln>
+            <a:noFill/>
+          </a:ln>
+        </p:spPr>
+        <p:style>
+          <a:lnRef idx="2">
+            <a:schemeClr val="accent1">
+              <a:shade val="50000"/>
+            </a:schemeClr>
+          </a:lnRef>
+          <a:fillRef idx="1">
+            <a:schemeClr val="accent1"/>
+          </a:fillRef>
+          <a:effectRef idx="0">
+            <a:schemeClr val="accent1"/>
+          </a:effectRef>
+          <a:fontRef idx="minor">
+            <a:schemeClr val="lt1"/>
+          </a:fontRef>
+        </p:style>
+        <p:txBody>
+          <a:bodyPr rtlCol="0" anchor="ctr"/>
+          <a:lstStyle/>
+          <a:p>
+            <a:pPr algn="ctr"/>
+            <a:endParaRPr lang="ko-KR" altLang="en-US"/>
+          </a:p>
+        </p:txBody>
+      </p:sp>
+      <p:sp>
+        <p:nvSpPr>
+          <p:cNvPr id="7" name="TextBox 6">
+            <a:extLst>
+              <a:ext uri="{FF2B5EF4-FFF2-40B4-BE49-F238E27FC236}">
+                <a16:creationId xmlns:a16="http://schemas.microsoft.com/office/drawing/2014/main" id="{E3FEA763-B9E6-474F-90DC-C744C434E0F1}"/>
+              </a:ext>
+            </a:extLst>
+          </p:cNvPr>
+          <p:cNvSpPr txBox="1"/>
+          <p:nvPr/>
+        </p:nvSpPr>
+        <p:spPr>
+          <a:xfrm>
+            <a:off x="2893435" y="574116"/>
+            <a:ext cx="6209036" cy="523220"/>
+          </a:xfrm>
+          <a:prstGeom prst="rect">
+            <a:avLst/>
+          </a:prstGeom>
+          <a:noFill/>
+        </p:spPr>
+        <p:txBody>
+          <a:bodyPr wrap="square" rtlCol="0">
+            <a:spAutoFit/>
+          </a:bodyPr>
+          <a:lstStyle/>
+          <a:p>
+            <a:pPr algn="ctr"/>
+            <a:r>
+              <a:rPr lang="en-US" altLang="ko-KR" sz="2800" b="1" dirty="0">
+                <a:solidFill>
+                  <a:schemeClr val="bg1"/>
+                </a:solidFill>
+              </a:rPr>
+              <a:t>Git Commit</a:t>
+            </a:r>
+            <a:endParaRPr lang="ko-KR" altLang="en-US" sz="2800" b="1" dirty="0">
+              <a:solidFill>
+                <a:schemeClr val="bg1"/>
+              </a:solidFill>
+            </a:endParaRPr>
+          </a:p>
+        </p:txBody>
+      </p:sp>
+      <p:graphicFrame>
+        <p:nvGraphicFramePr>
+          <p:cNvPr id="4" name="표 3">
+            <a:extLst>
+              <a:ext uri="{FF2B5EF4-FFF2-40B4-BE49-F238E27FC236}">
+                <a16:creationId xmlns:a16="http://schemas.microsoft.com/office/drawing/2014/main" id="{D4F6EE74-0FF0-874A-6CC4-1E3C65E3CE38}"/>
+              </a:ext>
+            </a:extLst>
+          </p:cNvPr>
+          <p:cNvGraphicFramePr>
+            <a:graphicFrameLocks noGrp="1"/>
+          </p:cNvGraphicFramePr>
+          <p:nvPr>
+            <p:extLst>
+              <p:ext uri="{D42A27DB-BD31-4B8C-83A1-F6EECF244321}">
+                <p14:modId xmlns:p14="http://schemas.microsoft.com/office/powerpoint/2010/main" val="1624928033"/>
+              </p:ext>
+            </p:extLst>
+          </p:nvPr>
+        </p:nvGraphicFramePr>
+        <p:xfrm>
+          <a:off x="1226306" y="1266882"/>
+          <a:ext cx="9739388" cy="5446567"/>
+        </p:xfrm>
+        <a:graphic>
+          <a:graphicData uri="http://schemas.openxmlformats.org/drawingml/2006/table">
+            <a:tbl>
+              <a:tblPr firstRow="1" bandRow="1">
+                <a:tableStyleId>{073A0DAA-6AF3-43AB-8588-CEC1D06C72B9}</a:tableStyleId>
+              </a:tblPr>
+              <a:tblGrid>
+                <a:gridCol w="4869694">
+                  <a:extLst>
+                    <a:ext uri="{9D8B030D-6E8A-4147-A177-3AD203B41FA5}">
+                      <a16:colId xmlns:a16="http://schemas.microsoft.com/office/drawing/2014/main" val="659359166"/>
+                    </a:ext>
+                  </a:extLst>
+                </a:gridCol>
+                <a:gridCol w="4869694">
+                  <a:extLst>
+                    <a:ext uri="{9D8B030D-6E8A-4147-A177-3AD203B41FA5}">
+                      <a16:colId xmlns:a16="http://schemas.microsoft.com/office/drawing/2014/main" val="2224807110"/>
+                    </a:ext>
+                  </a:extLst>
+                </a:gridCol>
+              </a:tblGrid>
+              <a:tr h="462114">
+                <a:tc>
+                  <a:txBody>
+                    <a:bodyPr/>
+                    <a:lstStyle/>
+                    <a:p>
+                      <a:pPr algn="ctr" latinLnBrk="1"/>
+                      <a:r>
+                        <a:rPr lang="ko-KR" altLang="en-US" dirty="0"/>
+                        <a:t>주</a:t>
+                      </a:r>
+                    </a:p>
+                  </a:txBody>
+                  <a:tcPr/>
+                </a:tc>
+                <a:tc>
+                  <a:txBody>
+                    <a:bodyPr/>
+                    <a:lstStyle/>
+                    <a:p>
+                      <a:pPr algn="ctr" latinLnBrk="1"/>
+                      <a:r>
+                        <a:rPr lang="ko-KR" altLang="en-US" dirty="0" err="1"/>
+                        <a:t>커밋</a:t>
+                      </a:r>
+                      <a:r>
+                        <a:rPr lang="ko-KR" altLang="en-US" dirty="0"/>
+                        <a:t> 횟수</a:t>
+                      </a:r>
+                    </a:p>
+                  </a:txBody>
+                  <a:tcPr/>
+                </a:tc>
+                <a:extLst>
+                  <a:ext uri="{0D108BD9-81ED-4DB2-BD59-A6C34878D82A}">
+                    <a16:rowId xmlns:a16="http://schemas.microsoft.com/office/drawing/2014/main" val="2930928095"/>
+                  </a:ext>
+                </a:extLst>
+              </a:tr>
+              <a:tr h="462114">
+                <a:tc>
+                  <a:txBody>
+                    <a:bodyPr/>
+                    <a:lstStyle/>
+                    <a:p>
+                      <a:pPr algn="ctr" latinLnBrk="1"/>
+                      <a:r>
+                        <a:rPr lang="en-US" altLang="ko-KR" dirty="0"/>
+                        <a:t>Week of Oct 15</a:t>
+                      </a:r>
+                      <a:endParaRPr lang="ko-KR" altLang="en-US" dirty="0"/>
+                    </a:p>
+                  </a:txBody>
+                  <a:tcPr/>
+                </a:tc>
+                <a:tc>
+                  <a:txBody>
+                    <a:bodyPr/>
+                    <a:lstStyle/>
+                    <a:p>
+                      <a:pPr algn="ctr" latinLnBrk="1"/>
+                      <a:r>
+                        <a:rPr lang="en-US" altLang="ko-KR" dirty="0"/>
+                        <a:t>6</a:t>
+                      </a:r>
+                      <a:endParaRPr lang="ko-KR" altLang="en-US" dirty="0"/>
+                    </a:p>
+                  </a:txBody>
+                  <a:tcPr/>
+                </a:tc>
+                <a:extLst>
+                  <a:ext uri="{0D108BD9-81ED-4DB2-BD59-A6C34878D82A}">
+                    <a16:rowId xmlns:a16="http://schemas.microsoft.com/office/drawing/2014/main" val="1661809422"/>
+                  </a:ext>
+                </a:extLst>
+              </a:tr>
+              <a:tr h="611250">
+                <a:tc>
+                  <a:txBody>
+                    <a:bodyPr/>
+                    <a:lstStyle/>
+                    <a:p>
+                      <a:pPr marL="0" marR="0" lvl="0" indent="0" algn="ctr" defTabSz="914400" rtl="0" eaLnBrk="1" fontAlgn="auto" latinLnBrk="1" hangingPunct="1">
+                        <a:lnSpc>
+                          <a:spcPct val="100000"/>
+                        </a:lnSpc>
+                        <a:spcBef>
+                          <a:spcPts val="0"/>
+                        </a:spcBef>
+                        <a:spcAft>
+                          <a:spcPts val="0"/>
+                        </a:spcAft>
+                        <a:buClrTx/>
+                        <a:buSzTx/>
+                        <a:buFontTx/>
+                        <a:buNone/>
+                        <a:tabLst/>
+                        <a:defRPr/>
+                      </a:pPr>
+                      <a:r>
+                        <a:rPr lang="en-US" altLang="ko-KR" dirty="0"/>
+                        <a:t>Week of Oct 22</a:t>
+                      </a:r>
+                      <a:endParaRPr lang="ko-KR" altLang="en-US" dirty="0"/>
+                    </a:p>
+                    <a:p>
+                      <a:pPr algn="ctr" latinLnBrk="1"/>
+                      <a:endParaRPr lang="ko-KR" altLang="en-US" dirty="0"/>
+                    </a:p>
+                  </a:txBody>
+                  <a:tcPr/>
+                </a:tc>
+                <a:tc>
+                  <a:txBody>
+                    <a:bodyPr/>
+                    <a:lstStyle/>
+                    <a:p>
+                      <a:pPr algn="ctr" latinLnBrk="1"/>
+                      <a:r>
+                        <a:rPr lang="en-US" altLang="ko-KR" dirty="0"/>
+                        <a:t>6</a:t>
+                      </a:r>
+                      <a:endParaRPr lang="ko-KR" altLang="en-US" dirty="0"/>
+                    </a:p>
+                  </a:txBody>
+                  <a:tcPr/>
+                </a:tc>
+                <a:extLst>
+                  <a:ext uri="{0D108BD9-81ED-4DB2-BD59-A6C34878D82A}">
+                    <a16:rowId xmlns:a16="http://schemas.microsoft.com/office/drawing/2014/main" val="2693465196"/>
+                  </a:ext>
+                </a:extLst>
+              </a:tr>
+              <a:tr h="611250">
+                <a:tc>
+                  <a:txBody>
+                    <a:bodyPr/>
+                    <a:lstStyle/>
+                    <a:p>
+                      <a:pPr marL="0" marR="0" lvl="0" indent="0" algn="ctr" defTabSz="914400" rtl="0" eaLnBrk="1" fontAlgn="auto" latinLnBrk="1" hangingPunct="1">
+                        <a:lnSpc>
+                          <a:spcPct val="100000"/>
+                        </a:lnSpc>
+                        <a:spcBef>
+                          <a:spcPts val="0"/>
+                        </a:spcBef>
+                        <a:spcAft>
+                          <a:spcPts val="0"/>
+                        </a:spcAft>
+                        <a:buClrTx/>
+                        <a:buSzTx/>
+                        <a:buFontTx/>
+                        <a:buNone/>
+                        <a:tabLst/>
+                        <a:defRPr/>
+                      </a:pPr>
+                      <a:r>
+                        <a:rPr lang="en-US" altLang="ko-KR" dirty="0"/>
+                        <a:t>Week of Oct 29</a:t>
+                      </a:r>
+                      <a:endParaRPr lang="ko-KR" altLang="en-US" dirty="0"/>
+                    </a:p>
+                    <a:p>
+                      <a:pPr algn="ctr" latinLnBrk="1"/>
+                      <a:endParaRPr lang="ko-KR" altLang="en-US" dirty="0"/>
+                    </a:p>
+                  </a:txBody>
+                  <a:tcPr/>
+                </a:tc>
+                <a:tc>
+                  <a:txBody>
+                    <a:bodyPr/>
+                    <a:lstStyle/>
+                    <a:p>
+                      <a:pPr algn="ctr" latinLnBrk="1"/>
+                      <a:r>
+                        <a:rPr lang="en-US" altLang="ko-KR" dirty="0"/>
+                        <a:t>5</a:t>
+                      </a:r>
+                      <a:endParaRPr lang="ko-KR" altLang="en-US" dirty="0"/>
+                    </a:p>
+                  </a:txBody>
+                  <a:tcPr/>
+                </a:tc>
+                <a:extLst>
+                  <a:ext uri="{0D108BD9-81ED-4DB2-BD59-A6C34878D82A}">
+                    <a16:rowId xmlns:a16="http://schemas.microsoft.com/office/drawing/2014/main" val="1755119710"/>
+                  </a:ext>
+                </a:extLst>
+              </a:tr>
+              <a:tr h="611250">
+                <a:tc>
+                  <a:txBody>
+                    <a:bodyPr/>
+                    <a:lstStyle/>
+                    <a:p>
+                      <a:pPr marL="0" marR="0" lvl="0" indent="0" algn="ctr" defTabSz="914400" rtl="0" eaLnBrk="1" fontAlgn="auto" latinLnBrk="1" hangingPunct="1">
+                        <a:lnSpc>
+                          <a:spcPct val="100000"/>
+                        </a:lnSpc>
+                        <a:spcBef>
+                          <a:spcPts val="0"/>
+                        </a:spcBef>
+                        <a:spcAft>
+                          <a:spcPts val="0"/>
+                        </a:spcAft>
+                        <a:buClrTx/>
+                        <a:buSzTx/>
+                        <a:buFontTx/>
+                        <a:buNone/>
+                        <a:tabLst/>
+                        <a:defRPr/>
+                      </a:pPr>
+                      <a:r>
+                        <a:rPr lang="en-US" altLang="ko-KR" dirty="0"/>
+                        <a:t>Week of Nov 5</a:t>
+                      </a:r>
+                      <a:endParaRPr lang="ko-KR" altLang="en-US" dirty="0"/>
+                    </a:p>
+                    <a:p>
+                      <a:pPr algn="ctr" latinLnBrk="1"/>
+                      <a:endParaRPr lang="ko-KR" altLang="en-US" dirty="0"/>
+                    </a:p>
+                  </a:txBody>
+                  <a:tcPr/>
+                </a:tc>
+                <a:tc>
+                  <a:txBody>
+                    <a:bodyPr/>
+                    <a:lstStyle/>
+                    <a:p>
+                      <a:pPr algn="ctr" latinLnBrk="1"/>
+                      <a:r>
+                        <a:rPr lang="en-US" altLang="ko-KR" dirty="0"/>
+                        <a:t>3</a:t>
+                      </a:r>
+                      <a:endParaRPr lang="ko-KR" altLang="en-US" dirty="0"/>
+                    </a:p>
+                  </a:txBody>
+                  <a:tcPr/>
+                </a:tc>
+                <a:extLst>
+                  <a:ext uri="{0D108BD9-81ED-4DB2-BD59-A6C34878D82A}">
+                    <a16:rowId xmlns:a16="http://schemas.microsoft.com/office/drawing/2014/main" val="888556426"/>
+                  </a:ext>
+                </a:extLst>
+              </a:tr>
+              <a:tr h="611250">
+                <a:tc>
+                  <a:txBody>
+                    <a:bodyPr/>
+                    <a:lstStyle/>
+                    <a:p>
+                      <a:pPr marL="0" marR="0" lvl="0" indent="0" algn="ctr" defTabSz="914400" rtl="0" eaLnBrk="1" fontAlgn="auto" latinLnBrk="1" hangingPunct="1">
+                        <a:lnSpc>
+                          <a:spcPct val="100000"/>
+                        </a:lnSpc>
+                        <a:spcBef>
+                          <a:spcPts val="0"/>
+                        </a:spcBef>
+                        <a:spcAft>
+                          <a:spcPts val="0"/>
+                        </a:spcAft>
+                        <a:buClrTx/>
+                        <a:buSzTx/>
+                        <a:buFontTx/>
+                        <a:buNone/>
+                        <a:tabLst/>
+                        <a:defRPr/>
+                      </a:pPr>
+                      <a:r>
+                        <a:rPr lang="en-US" altLang="ko-KR" dirty="0"/>
+                        <a:t>Week of Nov 12</a:t>
+                      </a:r>
+                      <a:endParaRPr lang="ko-KR" altLang="en-US" dirty="0"/>
+                    </a:p>
+                    <a:p>
+                      <a:pPr algn="ctr" latinLnBrk="1"/>
+                      <a:endParaRPr lang="ko-KR" altLang="en-US" dirty="0"/>
+                    </a:p>
+                  </a:txBody>
+                  <a:tcPr/>
+                </a:tc>
+                <a:tc>
+                  <a:txBody>
+                    <a:bodyPr/>
+                    <a:lstStyle/>
+                    <a:p>
+                      <a:pPr algn="ctr" latinLnBrk="1"/>
+                      <a:r>
+                        <a:rPr lang="en-US" altLang="ko-KR" dirty="0"/>
+                        <a:t>11</a:t>
+                      </a:r>
+                      <a:endParaRPr lang="ko-KR" altLang="en-US" dirty="0"/>
+                    </a:p>
+                  </a:txBody>
+                  <a:tcPr/>
+                </a:tc>
+                <a:extLst>
+                  <a:ext uri="{0D108BD9-81ED-4DB2-BD59-A6C34878D82A}">
+                    <a16:rowId xmlns:a16="http://schemas.microsoft.com/office/drawing/2014/main" val="3430886483"/>
+                  </a:ext>
+                </a:extLst>
+              </a:tr>
+              <a:tr h="611250">
+                <a:tc>
+                  <a:txBody>
+                    <a:bodyPr/>
+                    <a:lstStyle/>
+                    <a:p>
+                      <a:pPr marL="0" marR="0" lvl="0" indent="0" algn="ctr" defTabSz="914400" rtl="0" eaLnBrk="1" fontAlgn="auto" latinLnBrk="1" hangingPunct="1">
+                        <a:lnSpc>
+                          <a:spcPct val="100000"/>
+                        </a:lnSpc>
+                        <a:spcBef>
+                          <a:spcPts val="0"/>
+                        </a:spcBef>
+                        <a:spcAft>
+                          <a:spcPts val="0"/>
+                        </a:spcAft>
+                        <a:buClrTx/>
+                        <a:buSzTx/>
+                        <a:buFontTx/>
+                        <a:buNone/>
+                        <a:tabLst/>
+                        <a:defRPr/>
+                      </a:pPr>
+                      <a:r>
+                        <a:rPr lang="en-US" altLang="ko-KR" dirty="0"/>
+                        <a:t>Week of Nov 19</a:t>
+                      </a:r>
+                      <a:endParaRPr lang="ko-KR" altLang="en-US" dirty="0"/>
+                    </a:p>
+                    <a:p>
+                      <a:pPr algn="ctr" latinLnBrk="1"/>
+                      <a:endParaRPr lang="ko-KR" altLang="en-US" dirty="0"/>
+                    </a:p>
+                  </a:txBody>
+                  <a:tcPr/>
+                </a:tc>
+                <a:tc>
+                  <a:txBody>
+                    <a:bodyPr/>
+                    <a:lstStyle/>
+                    <a:p>
+                      <a:pPr algn="ctr" latinLnBrk="1"/>
+                      <a:r>
+                        <a:rPr lang="en-US" altLang="ko-KR" dirty="0"/>
+                        <a:t>19</a:t>
+                      </a:r>
+                      <a:endParaRPr lang="ko-KR" altLang="en-US" dirty="0"/>
+                    </a:p>
+                  </a:txBody>
+                  <a:tcPr/>
+                </a:tc>
+                <a:extLst>
+                  <a:ext uri="{0D108BD9-81ED-4DB2-BD59-A6C34878D82A}">
+                    <a16:rowId xmlns:a16="http://schemas.microsoft.com/office/drawing/2014/main" val="3606362564"/>
+                  </a:ext>
+                </a:extLst>
+              </a:tr>
+              <a:tr h="681859">
+                <a:tc>
+                  <a:txBody>
+                    <a:bodyPr/>
+                    <a:lstStyle/>
+                    <a:p>
+                      <a:pPr marL="0" marR="0" lvl="0" indent="0" algn="ctr" defTabSz="914400" rtl="0" eaLnBrk="1" fontAlgn="auto" latinLnBrk="1" hangingPunct="1">
+                        <a:lnSpc>
+                          <a:spcPct val="100000"/>
+                        </a:lnSpc>
+                        <a:spcBef>
+                          <a:spcPts val="0"/>
+                        </a:spcBef>
+                        <a:spcAft>
+                          <a:spcPts val="0"/>
+                        </a:spcAft>
+                        <a:buClrTx/>
+                        <a:buSzTx/>
+                        <a:buFontTx/>
+                        <a:buNone/>
+                        <a:tabLst/>
+                        <a:defRPr/>
+                      </a:pPr>
+                      <a:r>
+                        <a:rPr lang="en-US" altLang="ko-KR" dirty="0"/>
+                        <a:t>Week of Nov 26</a:t>
+                      </a:r>
+                      <a:endParaRPr lang="ko-KR" altLang="en-US" dirty="0"/>
+                    </a:p>
+                    <a:p>
+                      <a:pPr algn="ctr" latinLnBrk="1"/>
+                      <a:endParaRPr lang="ko-KR" altLang="en-US" dirty="0"/>
+                    </a:p>
+                  </a:txBody>
+                  <a:tcPr/>
+                </a:tc>
+                <a:tc>
+                  <a:txBody>
+                    <a:bodyPr/>
+                    <a:lstStyle/>
+                    <a:p>
+                      <a:pPr algn="ctr" latinLnBrk="1"/>
+                      <a:r>
+                        <a:rPr lang="en-US" altLang="ko-KR" dirty="0"/>
+                        <a:t>18</a:t>
+                      </a:r>
+                      <a:endParaRPr lang="ko-KR" altLang="en-US" dirty="0"/>
+                    </a:p>
+                  </a:txBody>
+                  <a:tcPr/>
+                </a:tc>
+                <a:extLst>
+                  <a:ext uri="{0D108BD9-81ED-4DB2-BD59-A6C34878D82A}">
+                    <a16:rowId xmlns:a16="http://schemas.microsoft.com/office/drawing/2014/main" val="3538067916"/>
+                  </a:ext>
+                </a:extLst>
+              </a:tr>
+              <a:tr h="611250">
+                <a:tc>
+                  <a:txBody>
+                    <a:bodyPr/>
+                    <a:lstStyle/>
+                    <a:p>
+                      <a:pPr marL="0" marR="0" lvl="0" indent="0" algn="ctr" defTabSz="914400" rtl="0" eaLnBrk="1" fontAlgn="auto" latinLnBrk="1" hangingPunct="1">
+                        <a:lnSpc>
+                          <a:spcPct val="100000"/>
+                        </a:lnSpc>
+                        <a:spcBef>
+                          <a:spcPts val="0"/>
+                        </a:spcBef>
+                        <a:spcAft>
+                          <a:spcPts val="0"/>
+                        </a:spcAft>
+                        <a:buClrTx/>
+                        <a:buSzTx/>
+                        <a:buFontTx/>
+                        <a:buNone/>
+                        <a:tabLst/>
+                        <a:defRPr/>
+                      </a:pPr>
+                      <a:r>
+                        <a:rPr lang="en-US" altLang="ko-KR" dirty="0"/>
+                        <a:t>Week of Dec 3</a:t>
+                      </a:r>
+                      <a:endParaRPr lang="ko-KR" altLang="en-US" dirty="0"/>
+                    </a:p>
+                    <a:p>
+                      <a:pPr algn="ctr" latinLnBrk="1"/>
+                      <a:endParaRPr lang="ko-KR" altLang="en-US" dirty="0"/>
+                    </a:p>
+                  </a:txBody>
+                  <a:tcPr/>
+                </a:tc>
+                <a:tc>
+                  <a:txBody>
+                    <a:bodyPr/>
+                    <a:lstStyle/>
+                    <a:p>
+                      <a:pPr algn="ctr" latinLnBrk="1"/>
+                      <a:r>
+                        <a:rPr lang="en-US" altLang="ko-KR" dirty="0"/>
+                        <a:t>8</a:t>
+                      </a:r>
+                      <a:endParaRPr lang="ko-KR" altLang="en-US" dirty="0"/>
+                    </a:p>
+                  </a:txBody>
+                  <a:tcPr/>
+                </a:tc>
+                <a:extLst>
+                  <a:ext uri="{0D108BD9-81ED-4DB2-BD59-A6C34878D82A}">
+                    <a16:rowId xmlns:a16="http://schemas.microsoft.com/office/drawing/2014/main" val="3840928524"/>
+                  </a:ext>
+                </a:extLst>
+              </a:tr>
+            </a:tbl>
+          </a:graphicData>
+        </a:graphic>
+      </p:graphicFrame>
+    </p:spTree>
+    <p:extLst>
+      <p:ext uri="{BB962C8B-B14F-4D97-AF65-F5344CB8AC3E}">
         <p14:creationId xmlns:p14="http://schemas.microsoft.com/office/powerpoint/2010/main" val="757100767"/>
       </p:ext>
     </p:extLst>
